--- a/files/Wan_Template_16to9_2022.pptx
+++ b/files/Wan_Template_16to9_2022.pptx
@@ -125,7 +125,33 @@
       </p14:sectionLst>
     </p:ext>
     <p:ext uri="{EFAFB233-063F-42B5-8137-9DF3F51BA10A}">
-      <p15:sldGuideLst xmlns:p15="http://schemas.microsoft.com/office/powerpoint/2012/main"/>
+      <p15:sldGuideLst xmlns:p15="http://schemas.microsoft.com/office/powerpoint/2012/main">
+        <p15:guide id="1" orient="horz" pos="119" userDrawn="1">
+          <p15:clr>
+            <a:srgbClr val="A4A3A4"/>
+          </p15:clr>
+        </p15:guide>
+        <p15:guide id="2" pos="211" userDrawn="1">
+          <p15:clr>
+            <a:srgbClr val="A4A3A4"/>
+          </p15:clr>
+        </p15:guide>
+        <p15:guide id="3" pos="7469" userDrawn="1">
+          <p15:clr>
+            <a:srgbClr val="A4A3A4"/>
+          </p15:clr>
+        </p15:guide>
+        <p15:guide id="4" pos="3840" userDrawn="1">
+          <p15:clr>
+            <a:srgbClr val="A4A3A4"/>
+          </p15:clr>
+        </p15:guide>
+        <p15:guide id="5" orient="horz" pos="4201" userDrawn="1">
+          <p15:clr>
+            <a:srgbClr val="A4A3A4"/>
+          </p15:clr>
+        </p15:guide>
+      </p15:sldGuideLst>
     </p:ext>
     <p:ext uri="{2D200454-40CA-4A62-9FC3-DE9A4176ACB9}">
       <p15:notesGuideLst xmlns:p15="http://schemas.microsoft.com/office/powerpoint/2012/main"/>
@@ -228,7 +254,7 @@
           <a:p>
             <a:fld id="{9807BF94-A736-460A-8C7F-6765D531B17B}" type="datetimeFigureOut">
               <a:rPr lang="en-US" smtClean="0"/>
-              <a:t>5/17/2022</a:t>
+              <a:t>10/15/2022</a:t>
             </a:fld>
             <a:endParaRPr lang="en-US"/>
           </a:p>
@@ -405,7 +431,7 @@
           <a:p>
             <a:fld id="{77E4228A-FAED-4395-8C31-B6A1F4D1FB44}" type="datetimeFigureOut">
               <a:rPr lang="en-US" smtClean="0"/>
-              <a:t>5/17/2022</a:t>
+              <a:t>10/15/2022</a:t>
             </a:fld>
             <a:endParaRPr lang="en-US"/>
           </a:p>
@@ -903,7 +929,7 @@
           <a:p>
             <a:fld id="{36DB8E18-BBA3-4651-8F28-FF9E6CEAB32D}" type="datetimeFigureOut">
               <a:rPr lang="en-US" smtClean="0"/>
-              <a:t>5/17/2022</a:t>
+              <a:t>10/15/2022</a:t>
             </a:fld>
             <a:endParaRPr lang="en-US"/>
           </a:p>
@@ -1101,7 +1127,7 @@
           <a:p>
             <a:fld id="{36DB8E18-BBA3-4651-8F28-FF9E6CEAB32D}" type="datetimeFigureOut">
               <a:rPr lang="en-US" smtClean="0"/>
-              <a:t>5/17/2022</a:t>
+              <a:t>10/15/2022</a:t>
             </a:fld>
             <a:endParaRPr lang="en-US"/>
           </a:p>
@@ -1350,7 +1376,7 @@
           <a:p>
             <a:fld id="{36DB8E18-BBA3-4651-8F28-FF9E6CEAB32D}" type="datetimeFigureOut">
               <a:rPr lang="en-US" smtClean="0"/>
-              <a:t>5/17/2022</a:t>
+              <a:t>10/15/2022</a:t>
             </a:fld>
             <a:endParaRPr lang="en-US"/>
           </a:p>
@@ -1604,7 +1630,7 @@
           <a:p>
             <a:fld id="{36DB8E18-BBA3-4651-8F28-FF9E6CEAB32D}" type="datetimeFigureOut">
               <a:rPr lang="en-US" smtClean="0"/>
-              <a:t>5/17/2022</a:t>
+              <a:t>10/15/2022</a:t>
             </a:fld>
             <a:endParaRPr lang="en-US"/>
           </a:p>
@@ -1930,7 +1956,7 @@
           <a:p>
             <a:fld id="{36DB8E18-BBA3-4651-8F28-FF9E6CEAB32D}" type="datetimeFigureOut">
               <a:rPr lang="en-US" smtClean="0"/>
-              <a:t>5/17/2022</a:t>
+              <a:t>10/15/2022</a:t>
             </a:fld>
             <a:endParaRPr lang="en-US"/>
           </a:p>
@@ -2236,7 +2262,7 @@
           <a:p>
             <a:fld id="{36DB8E18-BBA3-4651-8F28-FF9E6CEAB32D}" type="datetimeFigureOut">
               <a:rPr lang="en-US" smtClean="0"/>
-              <a:t>5/17/2022</a:t>
+              <a:t>10/15/2022</a:t>
             </a:fld>
             <a:endParaRPr lang="en-US"/>
           </a:p>
@@ -2689,7 +2715,7 @@
           <a:p>
             <a:fld id="{36DB8E18-BBA3-4651-8F28-FF9E6CEAB32D}" type="datetimeFigureOut">
               <a:rPr lang="en-US" smtClean="0"/>
-              <a:t>5/17/2022</a:t>
+              <a:t>10/15/2022</a:t>
             </a:fld>
             <a:endParaRPr lang="en-US"/>
           </a:p>
@@ -2871,7 +2897,7 @@
           <a:p>
             <a:fld id="{36DB8E18-BBA3-4651-8F28-FF9E6CEAB32D}" type="datetimeFigureOut">
               <a:rPr lang="en-US" smtClean="0"/>
-              <a:t>5/17/2022</a:t>
+              <a:t>10/15/2022</a:t>
             </a:fld>
             <a:endParaRPr lang="en-US"/>
           </a:p>
@@ -3025,7 +3051,7 @@
           <a:p>
             <a:fld id="{36DB8E18-BBA3-4651-8F28-FF9E6CEAB32D}" type="datetimeFigureOut">
               <a:rPr lang="en-US" smtClean="0"/>
-              <a:t>5/17/2022</a:t>
+              <a:t>10/15/2022</a:t>
             </a:fld>
             <a:endParaRPr lang="en-US"/>
           </a:p>
@@ -3336,7 +3362,7 @@
           <a:p>
             <a:fld id="{36DB8E18-BBA3-4651-8F28-FF9E6CEAB32D}" type="datetimeFigureOut">
               <a:rPr lang="en-US" smtClean="0"/>
-              <a:t>5/17/2022</a:t>
+              <a:t>10/15/2022</a:t>
             </a:fld>
             <a:endParaRPr lang="en-US"/>
           </a:p>
@@ -3665,7 +3691,7 @@
           <a:p>
             <a:fld id="{36DB8E18-BBA3-4651-8F28-FF9E6CEAB32D}" type="datetimeFigureOut">
               <a:rPr lang="en-US" smtClean="0"/>
-              <a:t>5/17/2022</a:t>
+              <a:t>10/15/2022</a:t>
             </a:fld>
             <a:endParaRPr lang="en-US"/>
           </a:p>
@@ -3947,7 +3973,7 @@
           <a:p>
             <a:fld id="{36DB8E18-BBA3-4651-8F28-FF9E6CEAB32D}" type="datetimeFigureOut">
               <a:rPr lang="en-US" smtClean="0"/>
-              <a:t>5/17/2022</a:t>
+              <a:t>10/15/2022</a:t>
             </a:fld>
             <a:endParaRPr lang="en-US"/>
           </a:p>
@@ -4371,10 +4397,10 @@
       </p:grpSpPr>
       <p:pic>
         <p:nvPicPr>
-          <p:cNvPr id="39" name="Picture 38">
-            <a:extLst>
-              <a:ext uri="{FF2B5EF4-FFF2-40B4-BE49-F238E27FC236}">
-                <a16:creationId xmlns:a16="http://schemas.microsoft.com/office/drawing/2014/main" id="{0D3A81B2-A1B3-A89B-C3EC-BBF7F82687EA}"/>
+          <p:cNvPr id="3" name="図 2">
+            <a:extLst>
+              <a:ext uri="{FF2B5EF4-FFF2-40B4-BE49-F238E27FC236}">
+                <a16:creationId xmlns:a16="http://schemas.microsoft.com/office/drawing/2014/main" id="{4B992616-6069-61D0-4F62-B52A791EED76}"/>
               </a:ext>
             </a:extLst>
           </p:cNvPr>
@@ -4402,7 +4428,48 @@
         </p:blipFill>
         <p:spPr>
           <a:xfrm>
-            <a:off x="10214837" y="5676873"/>
+            <a:off x="10101346" y="5267865"/>
+            <a:ext cx="1107655" cy="1099552"/>
+          </a:xfrm>
+          <a:prstGeom prst="rect">
+            <a:avLst/>
+          </a:prstGeom>
+        </p:spPr>
+      </p:pic>
+      <p:pic>
+        <p:nvPicPr>
+          <p:cNvPr id="39" name="Picture 38">
+            <a:extLst>
+              <a:ext uri="{FF2B5EF4-FFF2-40B4-BE49-F238E27FC236}">
+                <a16:creationId xmlns:a16="http://schemas.microsoft.com/office/drawing/2014/main" id="{0D3A81B2-A1B3-A89B-C3EC-BBF7F82687EA}"/>
+              </a:ext>
+            </a:extLst>
+          </p:cNvPr>
+          <p:cNvPicPr>
+            <a:picLocks noChangeAspect="1"/>
+          </p:cNvPicPr>
+          <p:nvPr/>
+        </p:nvPicPr>
+        <p:blipFill>
+          <a:blip r:embed="rId5">
+            <a:clrChange>
+              <a:clrFrom>
+                <a:srgbClr val="FFFFFF"/>
+              </a:clrFrom>
+              <a:clrTo>
+                <a:srgbClr val="FFFFFF">
+                  <a:alpha val="0"/>
+                </a:srgbClr>
+              </a:clrTo>
+            </a:clrChange>
+          </a:blip>
+          <a:stretch>
+            <a:fillRect/>
+          </a:stretch>
+        </p:blipFill>
+        <p:spPr>
+          <a:xfrm>
+            <a:off x="11191878" y="5308791"/>
             <a:ext cx="507560" cy="611424"/>
           </a:xfrm>
           <a:prstGeom prst="rect">
@@ -4425,7 +4492,7 @@
           <p:nvPr/>
         </p:nvPicPr>
         <p:blipFill>
-          <a:blip r:embed="rId5">
+          <a:blip r:embed="rId6">
             <a:clrChange>
               <a:clrFrom>
                 <a:srgbClr val="FFFFFF"/>
@@ -4621,7 +4688,7 @@
           <p:nvPr/>
         </p:nvPicPr>
         <p:blipFill>
-          <a:blip r:embed="rId6">
+          <a:blip r:embed="rId7">
             <a:clrChange>
               <a:clrFrom>
                 <a:srgbClr val="FFFFFF"/>
@@ -4639,7 +4706,7 @@
         </p:blipFill>
         <p:spPr>
           <a:xfrm>
-            <a:off x="6742346" y="4147653"/>
+            <a:off x="6837817" y="4134354"/>
             <a:ext cx="2452105" cy="3270603"/>
           </a:xfrm>
           <a:prstGeom prst="rect">
@@ -4661,7 +4728,7 @@
         </p:nvGrpSpPr>
         <p:grpSpPr>
           <a:xfrm>
-            <a:off x="6094107" y="4805265"/>
+            <a:off x="6188581" y="4801100"/>
             <a:ext cx="1168721" cy="2379732"/>
             <a:chOff x="6532557" y="1989102"/>
             <a:chExt cx="1168721" cy="2379732"/>
@@ -4734,7 +4801,7 @@
             <p:nvPr/>
           </p:nvPicPr>
           <p:blipFill>
-            <a:blip r:embed="rId7">
+            <a:blip r:embed="rId8">
               <a:clrChange>
                 <a:clrFrom>
                   <a:srgbClr val="FFFFFF"/>
@@ -4776,11 +4843,11 @@
           <p:nvPr/>
         </p:nvPicPr>
         <p:blipFill>
-          <a:blip r:embed="rId8">
+          <a:blip r:embed="rId9">
             <a:extLst>
               <a:ext uri="{BEBA8EAE-BF5A-486C-A8C5-ECC9F3942E4B}">
                 <a14:imgProps xmlns:a14="http://schemas.microsoft.com/office/drawing/2010/main">
-                  <a14:imgLayer r:embed="rId9">
+                  <a14:imgLayer r:embed="rId10">
                     <a14:imgEffect>
                       <a14:backgroundRemoval t="2970" b="89851" l="9773" r="89802">
                         <a14:foregroundMark x1="67422" y1="7797" x2="36969" y2="7921"/>
@@ -4823,7 +4890,7 @@
           <p:nvPr/>
         </p:nvPicPr>
         <p:blipFill>
-          <a:blip r:embed="rId10">
+          <a:blip r:embed="rId11">
             <a:clrChange>
               <a:clrFrom>
                 <a:srgbClr val="FFFFFF"/>
@@ -4841,7 +4908,7 @@
         </p:blipFill>
         <p:spPr>
           <a:xfrm>
-            <a:off x="3633117" y="4200635"/>
+            <a:off x="3715098" y="4217398"/>
             <a:ext cx="2822923" cy="3260813"/>
           </a:xfrm>
           <a:prstGeom prst="rect">
@@ -4936,7 +5003,7 @@
             <p:nvPr/>
           </p:nvPicPr>
           <p:blipFill>
-            <a:blip r:embed="rId11">
+            <a:blip r:embed="rId12">
               <a:clrChange>
                 <a:clrFrom>
                   <a:srgbClr val="FFFFFF"/>
@@ -4978,7 +5045,7 @@
           <p:nvPr/>
         </p:nvPicPr>
         <p:blipFill>
-          <a:blip r:embed="rId12">
+          <a:blip r:embed="rId13">
             <a:clrChange>
               <a:clrFrom>
                 <a:srgbClr val="FFFFFF"/>
@@ -4996,7 +5063,7 @@
         </p:blipFill>
         <p:spPr>
           <a:xfrm rot="20973571">
-            <a:off x="8988426" y="5814983"/>
+            <a:off x="8994602" y="5855789"/>
             <a:ext cx="3471086" cy="1105107"/>
           </a:xfrm>
           <a:prstGeom prst="rect">
@@ -5019,11 +5086,11 @@
           <p:nvPr/>
         </p:nvPicPr>
         <p:blipFill>
-          <a:blip r:embed="rId13">
+          <a:blip r:embed="rId14">
             <a:extLst>
               <a:ext uri="{BEBA8EAE-BF5A-486C-A8C5-ECC9F3942E4B}">
                 <a14:imgProps xmlns:a14="http://schemas.microsoft.com/office/drawing/2010/main">
-                  <a14:imgLayer r:embed="rId14">
+                  <a14:imgLayer r:embed="rId15">
                     <a14:imgEffect>
                       <a14:backgroundRemoval t="7684" b="94264" l="7241" r="92759">
                         <a14:foregroundMark x1="7701" y1="14719" x2="10345" y2="13528"/>
@@ -5055,7 +5122,7 @@
         </p:blipFill>
         <p:spPr>
           <a:xfrm>
-            <a:off x="10763399" y="6000779"/>
+            <a:off x="10571688" y="5947124"/>
             <a:ext cx="891205" cy="946521"/>
           </a:xfrm>
           <a:prstGeom prst="rect">
@@ -5306,7 +5373,7 @@
             <p:nvPr/>
           </p:nvPicPr>
           <p:blipFill>
-            <a:blip r:embed="rId15">
+            <a:blip r:embed="rId16">
               <a:clrChange>
                 <a:clrFrom>
                   <a:srgbClr val="FFFFFF"/>
@@ -5347,7 +5414,7 @@
         </p:nvGrpSpPr>
         <p:grpSpPr>
           <a:xfrm>
-            <a:off x="2214874" y="4558624"/>
+            <a:off x="2380932" y="4551675"/>
             <a:ext cx="2309796" cy="2613673"/>
             <a:chOff x="2166809" y="4621290"/>
             <a:chExt cx="2309796" cy="2613673"/>
@@ -5752,7 +5819,7 @@
               <p:nvPr/>
             </p:nvPicPr>
             <p:blipFill>
-              <a:blip r:embed="rId16">
+              <a:blip r:embed="rId17">
                 <a:clrChange>
                   <a:clrFrom>
                     <a:srgbClr val="FFFFFF"/>
@@ -5799,7 +5866,7 @@
         <p:spPr>
           <a:xfrm>
             <a:off x="9219136" y="4654395"/>
-            <a:ext cx="2957412" cy="398760"/>
+            <a:ext cx="2957412" cy="712948"/>
           </a:xfrm>
         </p:spPr>
         <p:txBody>
@@ -5816,8 +5883,15 @@
             <a:r>
               <a:rPr lang="en-US" altLang="ja-JP" sz="2000" b="1" dirty="0">
                 <a:solidFill>
-                  <a:srgbClr val="A59564"/>
+                  <a:schemeClr val="bg1"/>
                 </a:solidFill>
+                <a:effectLst>
+                  <a:glow rad="228600">
+                    <a:schemeClr val="tx1">
+                      <a:alpha val="40000"/>
+                    </a:schemeClr>
+                  </a:glow>
+                </a:effectLst>
                 <a:latin typeface="Arial" panose="020B0604020202020204" pitchFamily="34" charset="0"/>
                 <a:cs typeface="Arial" panose="020B0604020202020204" pitchFamily="34" charset="0"/>
               </a:rPr>
@@ -5826,8 +5900,15 @@
             <a:r>
               <a:rPr lang="en-US" altLang="ja-JP" sz="2000" b="1" dirty="0" err="1">
                 <a:solidFill>
-                  <a:srgbClr val="A59564"/>
+                  <a:schemeClr val="bg1"/>
                 </a:solidFill>
+                <a:effectLst>
+                  <a:glow rad="228600">
+                    <a:schemeClr val="tx1">
+                      <a:alpha val="40000"/>
+                    </a:schemeClr>
+                  </a:glow>
+                </a:effectLst>
                 <a:latin typeface="Arial" panose="020B0604020202020204" pitchFamily="34" charset="0"/>
                 <a:cs typeface="Arial" panose="020B0604020202020204" pitchFamily="34" charset="0"/>
               </a:rPr>
@@ -5836,8 +5917,15 @@
             <a:r>
               <a:rPr lang="en-US" altLang="ja-JP" sz="2000" b="1" dirty="0">
                 <a:solidFill>
-                  <a:srgbClr val="A59564"/>
+                  <a:schemeClr val="bg1"/>
                 </a:solidFill>
+                <a:effectLst>
+                  <a:glow rad="228600">
+                    <a:schemeClr val="tx1">
+                      <a:alpha val="40000"/>
+                    </a:schemeClr>
+                  </a:glow>
+                </a:effectLst>
                 <a:latin typeface="Arial" panose="020B0604020202020204" pitchFamily="34" charset="0"/>
                 <a:cs typeface="Arial" panose="020B0604020202020204" pitchFamily="34" charset="0"/>
               </a:rPr>
@@ -5846,214 +5934,35 @@
             <a:r>
               <a:rPr lang="en-US" altLang="ja-JP" sz="2000" b="1" dirty="0" err="1">
                 <a:solidFill>
-                  <a:srgbClr val="A59564"/>
+                  <a:schemeClr val="bg1"/>
                 </a:solidFill>
+                <a:effectLst>
+                  <a:glow rad="228600">
+                    <a:schemeClr val="tx1">
+                      <a:alpha val="40000"/>
+                    </a:schemeClr>
+                  </a:glow>
+                </a:effectLst>
                 <a:latin typeface="Arial" panose="020B0604020202020204" pitchFamily="34" charset="0"/>
                 <a:cs typeface="Arial" panose="020B0604020202020204" pitchFamily="34" charset="0"/>
               </a:rPr>
               <a:t>Handai</a:t>
             </a:r>
-            <a:endParaRPr lang="ja-JP" altLang="en-US" sz="2000" b="1" dirty="0">
+            <a:endParaRPr lang="en-US" altLang="ja-JP" sz="2000" b="1" dirty="0">
               <a:solidFill>
-                <a:srgbClr val="A59564"/>
+                <a:schemeClr val="bg1"/>
               </a:solidFill>
-              <a:latin typeface="Helvetica" panose="020B0604020202020204" pitchFamily="34" charset="0"/>
-              <a:cs typeface="Helvetica" panose="020B0604020202020204" pitchFamily="34" charset="0"/>
+              <a:effectLst>
+                <a:glow rad="228600">
+                  <a:schemeClr val="tx1">
+                    <a:alpha val="40000"/>
+                  </a:schemeClr>
+                </a:glow>
+              </a:effectLst>
+              <a:latin typeface="Arial" panose="020B0604020202020204" pitchFamily="34" charset="0"/>
+              <a:cs typeface="Arial" panose="020B0604020202020204" pitchFamily="34" charset="0"/>
             </a:endParaRPr>
           </a:p>
-        </p:txBody>
-      </p:sp>
-      <p:sp>
-        <p:nvSpPr>
-          <p:cNvPr id="91" name="Subtitle 4">
-            <a:extLst>
-              <a:ext uri="{FF2B5EF4-FFF2-40B4-BE49-F238E27FC236}">
-                <a16:creationId xmlns:a16="http://schemas.microsoft.com/office/drawing/2014/main" id="{E78F4035-36D3-0D5F-F8C6-5F103D3AB71C}"/>
-              </a:ext>
-            </a:extLst>
-          </p:cNvPr>
-          <p:cNvSpPr txBox="1">
-            <a:spLocks/>
-          </p:cNvSpPr>
-          <p:nvPr/>
-        </p:nvSpPr>
-        <p:spPr>
-          <a:xfrm>
-            <a:off x="9209250" y="5012600"/>
-            <a:ext cx="2967298" cy="430415"/>
-          </a:xfrm>
-          <a:prstGeom prst="rect">
-            <a:avLst/>
-          </a:prstGeom>
-        </p:spPr>
-        <p:txBody>
-          <a:bodyPr vert="horz" lIns="91440" tIns="45720" rIns="91440" bIns="45720" rtlCol="0">
-            <a:normAutofit/>
-          </a:bodyPr>
-          <a:lstStyle>
-            <a:lvl1pPr marL="0" indent="0" algn="ctr" defTabSz="914400" rtl="0" eaLnBrk="1" latinLnBrk="0" hangingPunct="1">
-              <a:lnSpc>
-                <a:spcPct val="90000"/>
-              </a:lnSpc>
-              <a:spcBef>
-                <a:spcPts val="1000"/>
-              </a:spcBef>
-              <a:buFont typeface="Arial" panose="020B0604020202020204" pitchFamily="34" charset="0"/>
-              <a:buNone/>
-              <a:defRPr sz="2400" kern="1200">
-                <a:solidFill>
-                  <a:schemeClr val="tx1"/>
-                </a:solidFill>
-                <a:latin typeface="+mn-lt"/>
-                <a:ea typeface="+mn-ea"/>
-                <a:cs typeface="+mn-cs"/>
-              </a:defRPr>
-            </a:lvl1pPr>
-            <a:lvl2pPr marL="457200" indent="0" algn="ctr" defTabSz="914400" rtl="0" eaLnBrk="1" latinLnBrk="0" hangingPunct="1">
-              <a:lnSpc>
-                <a:spcPct val="90000"/>
-              </a:lnSpc>
-              <a:spcBef>
-                <a:spcPts val="500"/>
-              </a:spcBef>
-              <a:buFont typeface="Arial" panose="020B0604020202020204" pitchFamily="34" charset="0"/>
-              <a:buNone/>
-              <a:defRPr sz="2000" kern="1200">
-                <a:solidFill>
-                  <a:schemeClr val="tx1"/>
-                </a:solidFill>
-                <a:latin typeface="+mn-lt"/>
-                <a:ea typeface="+mn-ea"/>
-                <a:cs typeface="+mn-cs"/>
-              </a:defRPr>
-            </a:lvl2pPr>
-            <a:lvl3pPr marL="914400" indent="0" algn="ctr" defTabSz="914400" rtl="0" eaLnBrk="1" latinLnBrk="0" hangingPunct="1">
-              <a:lnSpc>
-                <a:spcPct val="90000"/>
-              </a:lnSpc>
-              <a:spcBef>
-                <a:spcPts val="500"/>
-              </a:spcBef>
-              <a:buFont typeface="Arial" panose="020B0604020202020204" pitchFamily="34" charset="0"/>
-              <a:buNone/>
-              <a:defRPr sz="1800" kern="1200">
-                <a:solidFill>
-                  <a:schemeClr val="tx1"/>
-                </a:solidFill>
-                <a:latin typeface="+mn-lt"/>
-                <a:ea typeface="+mn-ea"/>
-                <a:cs typeface="+mn-cs"/>
-              </a:defRPr>
-            </a:lvl3pPr>
-            <a:lvl4pPr marL="1371600" indent="0" algn="ctr" defTabSz="914400" rtl="0" eaLnBrk="1" latinLnBrk="0" hangingPunct="1">
-              <a:lnSpc>
-                <a:spcPct val="90000"/>
-              </a:lnSpc>
-              <a:spcBef>
-                <a:spcPts val="500"/>
-              </a:spcBef>
-              <a:buFont typeface="Arial" panose="020B0604020202020204" pitchFamily="34" charset="0"/>
-              <a:buNone/>
-              <a:defRPr sz="1600" kern="1200">
-                <a:solidFill>
-                  <a:schemeClr val="tx1"/>
-                </a:solidFill>
-                <a:latin typeface="+mn-lt"/>
-                <a:ea typeface="+mn-ea"/>
-                <a:cs typeface="+mn-cs"/>
-              </a:defRPr>
-            </a:lvl4pPr>
-            <a:lvl5pPr marL="1828800" indent="0" algn="ctr" defTabSz="914400" rtl="0" eaLnBrk="1" latinLnBrk="0" hangingPunct="1">
-              <a:lnSpc>
-                <a:spcPct val="90000"/>
-              </a:lnSpc>
-              <a:spcBef>
-                <a:spcPts val="500"/>
-              </a:spcBef>
-              <a:buFont typeface="Arial" panose="020B0604020202020204" pitchFamily="34" charset="0"/>
-              <a:buNone/>
-              <a:defRPr sz="1600" kern="1200">
-                <a:solidFill>
-                  <a:schemeClr val="tx1"/>
-                </a:solidFill>
-                <a:latin typeface="+mn-lt"/>
-                <a:ea typeface="+mn-ea"/>
-                <a:cs typeface="+mn-cs"/>
-              </a:defRPr>
-            </a:lvl5pPr>
-            <a:lvl6pPr marL="2286000" indent="0" algn="ctr" defTabSz="914400" rtl="0" eaLnBrk="1" latinLnBrk="0" hangingPunct="1">
-              <a:lnSpc>
-                <a:spcPct val="90000"/>
-              </a:lnSpc>
-              <a:spcBef>
-                <a:spcPts val="500"/>
-              </a:spcBef>
-              <a:buFont typeface="Arial" panose="020B0604020202020204" pitchFamily="34" charset="0"/>
-              <a:buNone/>
-              <a:defRPr sz="1600" kern="1200">
-                <a:solidFill>
-                  <a:schemeClr val="tx1"/>
-                </a:solidFill>
-                <a:latin typeface="+mn-lt"/>
-                <a:ea typeface="+mn-ea"/>
-                <a:cs typeface="+mn-cs"/>
-              </a:defRPr>
-            </a:lvl6pPr>
-            <a:lvl7pPr marL="2743200" indent="0" algn="ctr" defTabSz="914400" rtl="0" eaLnBrk="1" latinLnBrk="0" hangingPunct="1">
-              <a:lnSpc>
-                <a:spcPct val="90000"/>
-              </a:lnSpc>
-              <a:spcBef>
-                <a:spcPts val="500"/>
-              </a:spcBef>
-              <a:buFont typeface="Arial" panose="020B0604020202020204" pitchFamily="34" charset="0"/>
-              <a:buNone/>
-              <a:defRPr sz="1600" kern="1200">
-                <a:solidFill>
-                  <a:schemeClr val="tx1"/>
-                </a:solidFill>
-                <a:latin typeface="+mn-lt"/>
-                <a:ea typeface="+mn-ea"/>
-                <a:cs typeface="+mn-cs"/>
-              </a:defRPr>
-            </a:lvl7pPr>
-            <a:lvl8pPr marL="3200400" indent="0" algn="ctr" defTabSz="914400" rtl="0" eaLnBrk="1" latinLnBrk="0" hangingPunct="1">
-              <a:lnSpc>
-                <a:spcPct val="90000"/>
-              </a:lnSpc>
-              <a:spcBef>
-                <a:spcPts val="500"/>
-              </a:spcBef>
-              <a:buFont typeface="Arial" panose="020B0604020202020204" pitchFamily="34" charset="0"/>
-              <a:buNone/>
-              <a:defRPr sz="1600" kern="1200">
-                <a:solidFill>
-                  <a:schemeClr val="tx1"/>
-                </a:solidFill>
-                <a:latin typeface="+mn-lt"/>
-                <a:ea typeface="+mn-ea"/>
-                <a:cs typeface="+mn-cs"/>
-              </a:defRPr>
-            </a:lvl8pPr>
-            <a:lvl9pPr marL="3657600" indent="0" algn="ctr" defTabSz="914400" rtl="0" eaLnBrk="1" latinLnBrk="0" hangingPunct="1">
-              <a:lnSpc>
-                <a:spcPct val="90000"/>
-              </a:lnSpc>
-              <a:spcBef>
-                <a:spcPts val="500"/>
-              </a:spcBef>
-              <a:buFont typeface="Arial" panose="020B0604020202020204" pitchFamily="34" charset="0"/>
-              <a:buNone/>
-              <a:defRPr sz="1600" kern="1200">
-                <a:solidFill>
-                  <a:schemeClr val="tx1"/>
-                </a:solidFill>
-                <a:latin typeface="+mn-lt"/>
-                <a:ea typeface="+mn-ea"/>
-                <a:cs typeface="+mn-cs"/>
-              </a:defRPr>
-            </a:lvl9pPr>
-          </a:lstStyle>
           <a:p>
             <a:pPr algn="l" eaLnBrk="0" hangingPunct="0">
               <a:lnSpc>
@@ -6063,19 +5972,33 @@
             <a:r>
               <a:rPr lang="ja-JP" altLang="en-US" sz="2000" b="1" dirty="0">
                 <a:solidFill>
-                  <a:srgbClr val="A59564"/>
+                  <a:schemeClr val="bg1"/>
                 </a:solidFill>
+                <a:effectLst>
+                  <a:glow rad="228600">
+                    <a:schemeClr val="tx1">
+                      <a:alpha val="40000"/>
+                    </a:schemeClr>
+                  </a:glow>
+                </a:effectLst>
                 <a:latin typeface="Arial" panose="020B0604020202020204" pitchFamily="34" charset="0"/>
                 <a:ea typeface="MS Gothic" panose="020B0609070205080204" pitchFamily="49" charset="-128"/>
                 <a:cs typeface="Arial" panose="020B0604020202020204" pitchFamily="34" charset="0"/>
               </a:rPr>
-              <a:t>発表者：阪大花子</a:t>
+              <a:t>発表者：阪大花子 </a:t>
             </a:r>
             <a:r>
               <a:rPr lang="en-US" altLang="ja-JP" sz="2000" b="1" dirty="0">
                 <a:solidFill>
-                  <a:srgbClr val="A59564"/>
+                  <a:schemeClr val="bg1"/>
                 </a:solidFill>
+                <a:effectLst>
+                  <a:glow rad="228600">
+                    <a:schemeClr val="tx1">
+                      <a:alpha val="40000"/>
+                    </a:schemeClr>
+                  </a:glow>
+                </a:effectLst>
                 <a:latin typeface="Arial" panose="020B0604020202020204" pitchFamily="34" charset="0"/>
                 <a:ea typeface="MS Gothic" panose="020B0609070205080204" pitchFamily="49" charset="-128"/>
                 <a:cs typeface="Arial" panose="020B0604020202020204" pitchFamily="34" charset="0"/>
@@ -6084,11 +6007,39 @@
             </a:r>
             <a:endParaRPr lang="ja-JP" altLang="en-US" sz="2000" b="1" dirty="0">
               <a:solidFill>
-                <a:srgbClr val="A59564"/>
+                <a:schemeClr val="bg1"/>
               </a:solidFill>
+              <a:effectLst>
+                <a:glow rad="228600">
+                  <a:schemeClr val="tx1">
+                    <a:alpha val="40000"/>
+                  </a:schemeClr>
+                </a:glow>
+              </a:effectLst>
               <a:latin typeface="Arial" panose="020B0604020202020204" pitchFamily="34" charset="0"/>
               <a:ea typeface="MS Gothic" panose="020B0609070205080204" pitchFamily="49" charset="-128"/>
               <a:cs typeface="Arial" panose="020B0604020202020204" pitchFamily="34" charset="0"/>
+            </a:endParaRPr>
+          </a:p>
+          <a:p>
+            <a:pPr algn="l" eaLnBrk="0" hangingPunct="0">
+              <a:lnSpc>
+                <a:spcPct val="70000"/>
+              </a:lnSpc>
+            </a:pPr>
+            <a:endParaRPr lang="ja-JP" altLang="en-US" sz="2000" b="1" dirty="0">
+              <a:solidFill>
+                <a:schemeClr val="bg1"/>
+              </a:solidFill>
+              <a:effectLst>
+                <a:glow rad="228600">
+                  <a:schemeClr val="tx1">
+                    <a:alpha val="40000"/>
+                  </a:schemeClr>
+                </a:glow>
+              </a:effectLst>
+              <a:latin typeface="Helvetica" panose="020B0604020202020204" pitchFamily="34" charset="0"/>
+              <a:cs typeface="Helvetica" panose="020B0604020202020204" pitchFamily="34" charset="0"/>
             </a:endParaRPr>
           </a:p>
         </p:txBody>
@@ -6134,6 +6085,13 @@
                 <a:solidFill>
                   <a:schemeClr val="bg1"/>
                 </a:solidFill>
+                <a:effectLst>
+                  <a:glow rad="63500">
+                    <a:schemeClr val="tx1">
+                      <a:alpha val="40000"/>
+                    </a:schemeClr>
+                  </a:glow>
+                </a:effectLst>
                 <a:latin typeface="Arial" panose="020B0604020202020204" pitchFamily="34" charset="0"/>
                 <a:ea typeface="MS Gothic" panose="020B0609070205080204" pitchFamily="49" charset="-128"/>
                 <a:cs typeface="Arial" panose="020B0604020202020204" pitchFamily="34" charset="0"/>
@@ -6151,6 +6109,13 @@
               <a:solidFill>
                 <a:schemeClr val="bg1"/>
               </a:solidFill>
+              <a:effectLst>
+                <a:glow rad="63500">
+                  <a:schemeClr val="tx1">
+                    <a:alpha val="40000"/>
+                  </a:schemeClr>
+                </a:glow>
+              </a:effectLst>
               <a:latin typeface="Arial" panose="020B0604020202020204" pitchFamily="34" charset="0"/>
               <a:ea typeface="MS Gothic" panose="020B0609070205080204" pitchFamily="49" charset="-128"/>
               <a:cs typeface="Arial" panose="020B0604020202020204" pitchFamily="34" charset="0"/>
@@ -6170,6 +6135,13 @@
                 <a:solidFill>
                   <a:schemeClr val="bg1"/>
                 </a:solidFill>
+                <a:effectLst>
+                  <a:glow rad="63500">
+                    <a:schemeClr val="tx1">
+                      <a:alpha val="40000"/>
+                    </a:schemeClr>
+                  </a:glow>
+                </a:effectLst>
                 <a:latin typeface="Arial" panose="020B0604020202020204" pitchFamily="34" charset="0"/>
                 <a:ea typeface="MS Gothic" panose="020B0609070205080204" pitchFamily="49" charset="-128"/>
                 <a:cs typeface="Arial" panose="020B0604020202020204" pitchFamily="34" charset="0"/>
@@ -6187,6 +6159,13 @@
               <a:solidFill>
                 <a:schemeClr val="bg1"/>
               </a:solidFill>
+              <a:effectLst>
+                <a:glow rad="63500">
+                  <a:schemeClr val="tx1">
+                    <a:alpha val="40000"/>
+                  </a:schemeClr>
+                </a:glow>
+              </a:effectLst>
               <a:latin typeface="Arial" panose="020B0604020202020204" pitchFamily="34" charset="0"/>
               <a:ea typeface="MS Gothic" panose="020B0609070205080204" pitchFamily="49" charset="-128"/>
               <a:cs typeface="Arial" panose="020B0604020202020204" pitchFamily="34" charset="0"/>
@@ -6196,10 +6175,10 @@
       </p:sp>
       <p:pic>
         <p:nvPicPr>
-          <p:cNvPr id="7" name="Picture 6">
-            <a:extLst>
-              <a:ext uri="{FF2B5EF4-FFF2-40B4-BE49-F238E27FC236}">
-                <a16:creationId xmlns:a16="http://schemas.microsoft.com/office/drawing/2014/main" id="{3B572774-8479-139D-29AD-FFE571499F40}"/>
+          <p:cNvPr id="29" name="Picture 28" descr="Diagram&#10;&#10;Description automatically generated">
+            <a:extLst>
+              <a:ext uri="{FF2B5EF4-FFF2-40B4-BE49-F238E27FC236}">
+                <a16:creationId xmlns:a16="http://schemas.microsoft.com/office/drawing/2014/main" id="{8DB87A71-4523-104E-E628-F1CF4AE68FF0}"/>
               </a:ext>
             </a:extLst>
           </p:cNvPr>
@@ -6209,7 +6188,53 @@
           <p:nvPr/>
         </p:nvPicPr>
         <p:blipFill>
-          <a:blip r:embed="rId17">
+          <a:blip r:embed="rId18">
+            <a:clrChange>
+              <a:clrFrom>
+                <a:srgbClr val="FFFFFF"/>
+              </a:clrFrom>
+              <a:clrTo>
+                <a:srgbClr val="FFFFFF">
+                  <a:alpha val="0"/>
+                </a:srgbClr>
+              </a:clrTo>
+            </a:clrChange>
+            <a:extLst>
+              <a:ext uri="{28A0092B-C50C-407E-A947-70E740481C1C}">
+                <a14:useLocalDpi xmlns:a14="http://schemas.microsoft.com/office/drawing/2010/main" val="0"/>
+              </a:ext>
+            </a:extLst>
+          </a:blip>
+          <a:stretch>
+            <a:fillRect/>
+          </a:stretch>
+        </p:blipFill>
+        <p:spPr>
+          <a:xfrm>
+            <a:off x="10485210" y="6383625"/>
+            <a:ext cx="2428455" cy="2853878"/>
+          </a:xfrm>
+          <a:prstGeom prst="rect">
+            <a:avLst/>
+          </a:prstGeom>
+        </p:spPr>
+      </p:pic>
+      <p:pic>
+        <p:nvPicPr>
+          <p:cNvPr id="6" name="Picture 5">
+            <a:extLst>
+              <a:ext uri="{FF2B5EF4-FFF2-40B4-BE49-F238E27FC236}">
+                <a16:creationId xmlns:a16="http://schemas.microsoft.com/office/drawing/2014/main" id="{2D697B96-DE2A-D10F-0C9E-A0B1513E9FEA}"/>
+              </a:ext>
+            </a:extLst>
+          </p:cNvPr>
+          <p:cNvPicPr>
+            <a:picLocks noChangeAspect="1"/>
+          </p:cNvPicPr>
+          <p:nvPr/>
+        </p:nvPicPr>
+        <p:blipFill>
+          <a:blip r:embed="rId19">
             <a:clrChange>
               <a:clrFrom>
                 <a:srgbClr val="FFFFFF"/>
@@ -6227,54 +6252,8 @@
         </p:blipFill>
         <p:spPr>
           <a:xfrm>
-            <a:off x="7411609" y="162238"/>
-            <a:ext cx="4548138" cy="1626039"/>
-          </a:xfrm>
-          <a:prstGeom prst="rect">
-            <a:avLst/>
-          </a:prstGeom>
-        </p:spPr>
-      </p:pic>
-      <p:pic>
-        <p:nvPicPr>
-          <p:cNvPr id="29" name="Picture 28" descr="Diagram&#10;&#10;Description automatically generated">
-            <a:extLst>
-              <a:ext uri="{FF2B5EF4-FFF2-40B4-BE49-F238E27FC236}">
-                <a16:creationId xmlns:a16="http://schemas.microsoft.com/office/drawing/2014/main" id="{8DB87A71-4523-104E-E628-F1CF4AE68FF0}"/>
-              </a:ext>
-            </a:extLst>
-          </p:cNvPr>
-          <p:cNvPicPr>
-            <a:picLocks noChangeAspect="1"/>
-          </p:cNvPicPr>
-          <p:nvPr/>
-        </p:nvPicPr>
-        <p:blipFill>
-          <a:blip r:embed="rId18">
-            <a:clrChange>
-              <a:clrFrom>
-                <a:srgbClr val="FFFFFF"/>
-              </a:clrFrom>
-              <a:clrTo>
-                <a:srgbClr val="FFFFFF">
-                  <a:alpha val="0"/>
-                </a:srgbClr>
-              </a:clrTo>
-            </a:clrChange>
-            <a:extLst>
-              <a:ext uri="{28A0092B-C50C-407E-A947-70E740481C1C}">
-                <a14:useLocalDpi xmlns:a14="http://schemas.microsoft.com/office/drawing/2010/main" val="0"/>
-              </a:ext>
-            </a:extLst>
-          </a:blip>
-          <a:stretch>
-            <a:fillRect/>
-          </a:stretch>
-        </p:blipFill>
-        <p:spPr>
-          <a:xfrm>
-            <a:off x="10632504" y="6344800"/>
-            <a:ext cx="2428455" cy="2853878"/>
+            <a:off x="7252024" y="140642"/>
+            <a:ext cx="4780391" cy="1647635"/>
           </a:xfrm>
           <a:prstGeom prst="rect">
             <a:avLst/>
@@ -6327,12 +6306,19 @@
             <p:ph type="title"/>
           </p:nvPr>
         </p:nvSpPr>
-        <p:spPr/>
-        <p:txBody>
-          <a:bodyPr/>
+        <p:spPr>
+          <a:xfrm>
+            <a:off x="334963" y="202035"/>
+            <a:ext cx="11522075" cy="994717"/>
+          </a:xfrm>
+        </p:spPr>
+        <p:txBody>
+          <a:bodyPr>
+            <a:normAutofit/>
+          </a:bodyPr>
           <a:lstStyle/>
           <a:p>
-            <a:endParaRPr lang="en-US" dirty="0"/>
+            <a:endParaRPr lang="en-US" sz="4000" dirty="0"/>
           </a:p>
         </p:txBody>
       </p:sp>
@@ -6352,12 +6338,19 @@
             <p:ph idx="1"/>
           </p:nvPr>
         </p:nvSpPr>
-        <p:spPr/>
-        <p:txBody>
-          <a:bodyPr/>
+        <p:spPr>
+          <a:xfrm>
+            <a:off x="334963" y="1268760"/>
+            <a:ext cx="11522075" cy="5387204"/>
+          </a:xfrm>
+        </p:spPr>
+        <p:txBody>
+          <a:bodyPr>
+            <a:normAutofit/>
+          </a:bodyPr>
           <a:lstStyle/>
           <a:p>
-            <a:endParaRPr lang="en-US"/>
+            <a:endParaRPr lang="en-US" sz="2400" dirty="0"/>
           </a:p>
         </p:txBody>
       </p:sp>
